--- a/2025-Second-SEMESTER/HTML/20251413이종석_과제.pptx
+++ b/2025-Second-SEMESTER/HTML/20251413이종석_과제.pptx
@@ -9,8 +9,8 @@
   </p:notesMasterIdLst>
   <p:sldIdLst>
     <p:sldId id="260" r:id="rId2"/>
-    <p:sldId id="256" r:id="rId3"/>
-    <p:sldId id="257" r:id="rId4"/>
+    <p:sldId id="257" r:id="rId3"/>
+    <p:sldId id="256" r:id="rId4"/>
     <p:sldId id="258" r:id="rId5"/>
   </p:sldIdLst>
   <p:sldSz cx="12192000" cy="6858000"/>
@@ -110,6 +110,11 @@
       </a:defRPr>
     </a:lvl9pPr>
   </p:defaultTextStyle>
+  <p:extLst>
+    <p:ext uri="{EFAFB233-063F-42B5-8137-9DF3F51BA10A}">
+      <p15:sldGuideLst xmlns:p15="http://schemas.microsoft.com/office/powerpoint/2012/main"/>
+    </p:ext>
+  </p:extLst>
 </p:presentation>
 </file>
 
@@ -195,7 +200,7 @@
           <a:p>
             <a:fld id="{DA707795-3849-B844-BD7C-D4CCBBD6E02F}" type="datetimeFigureOut">
               <a:rPr kumimoji="1" lang="ko-KR" altLang="en-US" smtClean="0"/>
-              <a:t>2025. 10. 26.</a:t>
+              <a:t>2025-10-28</a:t>
             </a:fld>
             <a:endParaRPr kumimoji="1" lang="ko-KR" altLang="en-US"/>
           </a:p>
@@ -693,7 +698,7 @@
           <a:p>
             <a:fld id="{FA0059C5-EFD0-C24B-A257-2E8BD90D1640}" type="datetimeFigureOut">
               <a:rPr kumimoji="1" lang="ko-KR" altLang="en-US" smtClean="0"/>
-              <a:t>2025. 10. 26.</a:t>
+              <a:t>2025-10-28</a:t>
             </a:fld>
             <a:endParaRPr kumimoji="1" lang="ko-KR" altLang="en-US"/>
           </a:p>
@@ -891,7 +896,7 @@
           <a:p>
             <a:fld id="{FA0059C5-EFD0-C24B-A257-2E8BD90D1640}" type="datetimeFigureOut">
               <a:rPr kumimoji="1" lang="ko-KR" altLang="en-US" smtClean="0"/>
-              <a:t>2025. 10. 26.</a:t>
+              <a:t>2025-10-28</a:t>
             </a:fld>
             <a:endParaRPr kumimoji="1" lang="ko-KR" altLang="en-US"/>
           </a:p>
@@ -1099,7 +1104,7 @@
           <a:p>
             <a:fld id="{FA0059C5-EFD0-C24B-A257-2E8BD90D1640}" type="datetimeFigureOut">
               <a:rPr kumimoji="1" lang="ko-KR" altLang="en-US" smtClean="0"/>
-              <a:t>2025. 10. 26.</a:t>
+              <a:t>2025-10-28</a:t>
             </a:fld>
             <a:endParaRPr kumimoji="1" lang="ko-KR" altLang="en-US"/>
           </a:p>
@@ -1297,7 +1302,7 @@
           <a:p>
             <a:fld id="{FA0059C5-EFD0-C24B-A257-2E8BD90D1640}" type="datetimeFigureOut">
               <a:rPr kumimoji="1" lang="ko-KR" altLang="en-US" smtClean="0"/>
-              <a:t>2025. 10. 26.</a:t>
+              <a:t>2025-10-28</a:t>
             </a:fld>
             <a:endParaRPr kumimoji="1" lang="ko-KR" altLang="en-US"/>
           </a:p>
@@ -1572,7 +1577,7 @@
           <a:p>
             <a:fld id="{FA0059C5-EFD0-C24B-A257-2E8BD90D1640}" type="datetimeFigureOut">
               <a:rPr kumimoji="1" lang="ko-KR" altLang="en-US" smtClean="0"/>
-              <a:t>2025. 10. 26.</a:t>
+              <a:t>2025-10-28</a:t>
             </a:fld>
             <a:endParaRPr kumimoji="1" lang="ko-KR" altLang="en-US"/>
           </a:p>
@@ -1837,7 +1842,7 @@
           <a:p>
             <a:fld id="{FA0059C5-EFD0-C24B-A257-2E8BD90D1640}" type="datetimeFigureOut">
               <a:rPr kumimoji="1" lang="ko-KR" altLang="en-US" smtClean="0"/>
-              <a:t>2025. 10. 26.</a:t>
+              <a:t>2025-10-28</a:t>
             </a:fld>
             <a:endParaRPr kumimoji="1" lang="ko-KR" altLang="en-US"/>
           </a:p>
@@ -2249,7 +2254,7 @@
           <a:p>
             <a:fld id="{FA0059C5-EFD0-C24B-A257-2E8BD90D1640}" type="datetimeFigureOut">
               <a:rPr kumimoji="1" lang="ko-KR" altLang="en-US" smtClean="0"/>
-              <a:t>2025. 10. 26.</a:t>
+              <a:t>2025-10-28</a:t>
             </a:fld>
             <a:endParaRPr kumimoji="1" lang="ko-KR" altLang="en-US"/>
           </a:p>
@@ -2390,7 +2395,7 @@
           <a:p>
             <a:fld id="{FA0059C5-EFD0-C24B-A257-2E8BD90D1640}" type="datetimeFigureOut">
               <a:rPr kumimoji="1" lang="ko-KR" altLang="en-US" smtClean="0"/>
-              <a:t>2025. 10. 26.</a:t>
+              <a:t>2025-10-28</a:t>
             </a:fld>
             <a:endParaRPr kumimoji="1" lang="ko-KR" altLang="en-US"/>
           </a:p>
@@ -2503,7 +2508,7 @@
           <a:p>
             <a:fld id="{FA0059C5-EFD0-C24B-A257-2E8BD90D1640}" type="datetimeFigureOut">
               <a:rPr kumimoji="1" lang="ko-KR" altLang="en-US" smtClean="0"/>
-              <a:t>2025. 10. 26.</a:t>
+              <a:t>2025-10-28</a:t>
             </a:fld>
             <a:endParaRPr kumimoji="1" lang="ko-KR" altLang="en-US"/>
           </a:p>
@@ -2814,7 +2819,7 @@
           <a:p>
             <a:fld id="{FA0059C5-EFD0-C24B-A257-2E8BD90D1640}" type="datetimeFigureOut">
               <a:rPr kumimoji="1" lang="ko-KR" altLang="en-US" smtClean="0"/>
-              <a:t>2025. 10. 26.</a:t>
+              <a:t>2025-10-28</a:t>
             </a:fld>
             <a:endParaRPr kumimoji="1" lang="ko-KR" altLang="en-US"/>
           </a:p>
@@ -3102,7 +3107,7 @@
           <a:p>
             <a:fld id="{FA0059C5-EFD0-C24B-A257-2E8BD90D1640}" type="datetimeFigureOut">
               <a:rPr kumimoji="1" lang="ko-KR" altLang="en-US" smtClean="0"/>
-              <a:t>2025. 10. 26.</a:t>
+              <a:t>2025-10-28</a:t>
             </a:fld>
             <a:endParaRPr kumimoji="1" lang="ko-KR" altLang="en-US"/>
           </a:p>
@@ -3343,7 +3348,7 @@
           <a:p>
             <a:fld id="{FA0059C5-EFD0-C24B-A257-2E8BD90D1640}" type="datetimeFigureOut">
               <a:rPr kumimoji="1" lang="ko-KR" altLang="en-US" smtClean="0"/>
-              <a:t>2025. 10. 26.</a:t>
+              <a:t>2025-10-28</a:t>
             </a:fld>
             <a:endParaRPr kumimoji="1" lang="ko-KR" altLang="en-US"/>
           </a:p>
@@ -4381,6 +4386,36 @@
           <a:chExt cx="0" cy="0"/>
         </a:xfrm>
       </p:grpSpPr>
+    </p:spTree>
+    <p:extLst>
+      <p:ext uri="{BB962C8B-B14F-4D97-AF65-F5344CB8AC3E}">
+        <p14:creationId xmlns:p14="http://schemas.microsoft.com/office/powerpoint/2010/main" val="1612894758"/>
+      </p:ext>
+    </p:extLst>
+  </p:cSld>
+  <p:clrMapOvr>
+    <a:masterClrMapping/>
+  </p:clrMapOvr>
+</p:sld>
+</file>
+
+<file path=ppt/slides/slide3.xml><?xml version="1.0" encoding="utf-8"?>
+<p:sld xmlns:a="http://schemas.openxmlformats.org/drawingml/2006/main" xmlns:r="http://schemas.openxmlformats.org/officeDocument/2006/relationships" xmlns:p="http://schemas.openxmlformats.org/presentationml/2006/main">
+  <p:cSld>
+    <p:spTree>
+      <p:nvGrpSpPr>
+        <p:cNvPr id="1" name=""/>
+        <p:cNvGrpSpPr/>
+        <p:nvPr/>
+      </p:nvGrpSpPr>
+      <p:grpSpPr>
+        <a:xfrm>
+          <a:off x="0" y="0"/>
+          <a:ext cx="0" cy="0"/>
+          <a:chOff x="0" y="0"/>
+          <a:chExt cx="0" cy="0"/>
+        </a:xfrm>
+      </p:grpSpPr>
       <p:sp>
         <p:nvSpPr>
           <p:cNvPr id="2" name="제목 1">
@@ -4502,11 +4537,23 @@
             </a:r>
             <a:r>
               <a:rPr kumimoji="1" lang="ko-KR" altLang="en-US" sz="1400" b="1" dirty="0"/>
-              <a:t> 인류의 달 탐사를 소개하는 사이트 </a:t>
+              <a:t> 인류의 달 탐사를 소개하는 사이트</a:t>
+            </a:r>
+            <a:r>
+              <a:rPr kumimoji="1" lang="en-US" altLang="ko-KR" sz="1400" b="1" dirty="0"/>
+              <a:t>.</a:t>
+            </a:r>
+            <a:r>
+              <a:rPr kumimoji="1" lang="ko-KR" altLang="en-US" sz="1400" b="1" dirty="0"/>
+              <a:t> </a:t>
             </a:r>
             <a:r>
               <a:rPr lang="ko-KR" altLang="en-US" sz="1400" b="1" dirty="0"/>
               <a:t>달을 상상했을 때 우리는 무엇을 꿈꾸었는가</a:t>
+            </a:r>
+            <a:r>
+              <a:rPr lang="en-US" altLang="ko-KR" sz="1400" b="1" dirty="0"/>
+              <a:t>.</a:t>
             </a:r>
             <a:endParaRPr kumimoji="1" lang="ko-KR" altLang="en-US" sz="1400" b="1" dirty="0"/>
           </a:p>
@@ -4784,25 +4831,7 @@
                 </a:solidFill>
                 <a:latin typeface="+mn-ea"/>
               </a:rPr>
-              <a:t>그러나 기술의 발전이 당연하게 여겨지는 현시대에는 많은 사람들이 우주탐사에 큰 관심을 가지지 </a:t>
-            </a:r>
-            <a:r>
-              <a:rPr kumimoji="1" lang="ko-KR" altLang="en-US" sz="1400" dirty="0" err="1">
-                <a:solidFill>
-                  <a:schemeClr val="tx1"/>
-                </a:solidFill>
-                <a:latin typeface="+mn-ea"/>
-              </a:rPr>
-              <a:t>않을뿐더러</a:t>
-            </a:r>
-            <a:r>
-              <a:rPr kumimoji="1" lang="ko-KR" altLang="en-US" sz="1400" dirty="0">
-                <a:solidFill>
-                  <a:schemeClr val="tx1"/>
-                </a:solidFill>
-                <a:latin typeface="+mn-ea"/>
-              </a:rPr>
-              <a:t> 가질 필요조차 느끼지 않는다</a:t>
+              <a:t>그러나 기술의 발전이 당연하게 여겨지는 현시대에는 많은 사람들이 우주탐사에 큰 관심을 가지지 않을 뿐더러 가질 필요조차 느끼지 않는다</a:t>
             </a:r>
             <a:r>
               <a:rPr kumimoji="1" lang="en-US" altLang="ko-KR" sz="1400" dirty="0">
@@ -4947,36 +4976,6 @@
     <p:extLst>
       <p:ext uri="{BB962C8B-B14F-4D97-AF65-F5344CB8AC3E}">
         <p14:creationId xmlns:p14="http://schemas.microsoft.com/office/powerpoint/2010/main" val="1170050937"/>
-      </p:ext>
-    </p:extLst>
-  </p:cSld>
-  <p:clrMapOvr>
-    <a:masterClrMapping/>
-  </p:clrMapOvr>
-</p:sld>
-</file>
-
-<file path=ppt/slides/slide3.xml><?xml version="1.0" encoding="utf-8"?>
-<p:sld xmlns:a="http://schemas.openxmlformats.org/drawingml/2006/main" xmlns:r="http://schemas.openxmlformats.org/officeDocument/2006/relationships" xmlns:p="http://schemas.openxmlformats.org/presentationml/2006/main">
-  <p:cSld>
-    <p:spTree>
-      <p:nvGrpSpPr>
-        <p:cNvPr id="1" name=""/>
-        <p:cNvGrpSpPr/>
-        <p:nvPr/>
-      </p:nvGrpSpPr>
-      <p:grpSpPr>
-        <a:xfrm>
-          <a:off x="0" y="0"/>
-          <a:ext cx="0" cy="0"/>
-          <a:chOff x="0" y="0"/>
-          <a:chExt cx="0" cy="0"/>
-        </a:xfrm>
-      </p:grpSpPr>
-    </p:spTree>
-    <p:extLst>
-      <p:ext uri="{BB962C8B-B14F-4D97-AF65-F5344CB8AC3E}">
-        <p14:creationId xmlns:p14="http://schemas.microsoft.com/office/powerpoint/2010/main" val="1612894758"/>
       </p:ext>
     </p:extLst>
   </p:cSld>
@@ -5085,7 +5084,7 @@
           </a:prstGeom>
           <a:solidFill>
             <a:schemeClr val="bg1">
-              <a:lumMod val="75000"/>
+              <a:lumMod val="85000"/>
             </a:schemeClr>
           </a:solidFill>
           <a:ln>
@@ -5212,7 +5211,7 @@
           </a:prstGeom>
           <a:solidFill>
             <a:schemeClr val="bg1">
-              <a:lumMod val="75000"/>
+              <a:lumMod val="85000"/>
             </a:schemeClr>
           </a:solidFill>
           <a:ln>
@@ -5277,7 +5276,7 @@
           </a:prstGeom>
           <a:solidFill>
             <a:schemeClr val="bg1">
-              <a:lumMod val="75000"/>
+              <a:lumMod val="85000"/>
             </a:schemeClr>
           </a:solidFill>
           <a:ln>
@@ -6907,6 +6906,47 @@
           <a:xfrm>
             <a:off x="10196448" y="4355273"/>
             <a:ext cx="3" cy="121721"/>
+          </a:xfrm>
+          <a:prstGeom prst="line">
+            <a:avLst/>
+          </a:prstGeom>
+          <a:ln w="12700"/>
+        </p:spPr>
+        <p:style>
+          <a:lnRef idx="1">
+            <a:schemeClr val="dk1"/>
+          </a:lnRef>
+          <a:fillRef idx="0">
+            <a:schemeClr val="dk1"/>
+          </a:fillRef>
+          <a:effectRef idx="0">
+            <a:schemeClr val="dk1"/>
+          </a:effectRef>
+          <a:fontRef idx="minor">
+            <a:schemeClr val="tx1"/>
+          </a:fontRef>
+        </p:style>
+      </p:cxnSp>
+      <p:cxnSp>
+        <p:nvCxnSpPr>
+          <p:cNvPr id="3" name="직선 연결선 2">
+            <a:extLst>
+              <a:ext uri="{FF2B5EF4-FFF2-40B4-BE49-F238E27FC236}">
+                <a16:creationId xmlns:a16="http://schemas.microsoft.com/office/drawing/2014/main" id="{99AAC805-11A6-4890-8B00-C33479432A61}"/>
+              </a:ext>
+            </a:extLst>
+          </p:cNvPr>
+          <p:cNvCxnSpPr>
+            <a:cxnSpLocks/>
+            <a:stCxn id="6" idx="2"/>
+            <a:endCxn id="9" idx="0"/>
+          </p:cNvCxnSpPr>
+          <p:nvPr/>
+        </p:nvCxnSpPr>
+        <p:spPr>
+          <a:xfrm>
+            <a:off x="2061851" y="2671949"/>
+            <a:ext cx="0" cy="160310"/>
           </a:xfrm>
           <a:prstGeom prst="line">
             <a:avLst/>
